--- a/Examples/Data/Charts/PieChart_out.pptx
+++ b/Examples/Data/Charts/PieChart_out.pptx
@@ -1,6 +1,6 @@
 
 <file path=ppt/presentation.xml><?xml version="1.0" encoding="utf-8"?>
-<!--Generated by Aspose.Slides for .NET 19.5-->
+<!--Generated by Aspose.Slides for .NET 19.6-->
 <p:presentation xmlns:r="http://schemas.openxmlformats.org/officeDocument/2006/relationships" xmlns:a="http://schemas.openxmlformats.org/drawingml/2006/main" xmlns:p="http://schemas.openxmlformats.org/presentationml/2006/main" saveSubsetFonts="1">
   <p:sldMasterIdLst>
     <p:sldMasterId id="2147483648" r:id="rId1"/>
@@ -487,7 +487,7 @@
           <a:bodyPr/>
           <a:lstStyle/>
           <a:p>
-            <a:fld id="{3E577BA3-44FA-4539-92B5-A073522C402E}" type="datetimeFigureOut">
+            <a:fld id="{17B0221C-3F2E-4D5F-B676-CD825ECB76BC}" type="datetimeFigureOut">
               <a:rPr lang="en-US" smtClean="0"/>
               <a:t>11/7/2009</a:t>
             </a:fld>
@@ -651,7 +651,7 @@
           <a:bodyPr/>
           <a:lstStyle/>
           <a:p>
-            <a:fld id="{2827C45D-0573-4E6F-B0FB-A03DAE80C6A2}" type="datetimeFigureOut">
+            <a:fld id="{26C75296-7C75-4F5C-ABD4-4A6A7D961785}" type="datetimeFigureOut">
               <a:rPr lang="en-US" smtClean="0"/>
               <a:t>11/7/2009</a:t>
             </a:fld>
@@ -815,7 +815,7 @@
           <a:bodyPr/>
           <a:lstStyle/>
           <a:p>
-            <a:fld id="{6BE2CDA0-0AFC-4776-8A9D-5B7C4D8599FC}" type="datetimeFigureOut">
+            <a:fld id="{FDA9DF31-0C17-4C73-9D51-E3187EAA189F}" type="datetimeFigureOut">
               <a:rPr lang="en-US" smtClean="0"/>
               <a:t>11/7/2009</a:t>
             </a:fld>
@@ -979,7 +979,7 @@
           <a:bodyPr/>
           <a:lstStyle/>
           <a:p>
-            <a:fld id="{3C7C0BEC-FDE6-402A-8EFE-DAC18775A2F7}" type="datetimeFigureOut">
+            <a:fld id="{C33C9523-A6A9-4245-9C16-9BA7463B6C03}" type="datetimeFigureOut">
               <a:rPr lang="en-US" smtClean="0"/>
               <a:t>11/7/2009</a:t>
             </a:fld>
@@ -1209,7 +1209,7 @@
           <a:bodyPr/>
           <a:lstStyle/>
           <a:p>
-            <a:fld id="{C17DEF1A-5B72-4776-A733-6F4DC42C3964}" type="datetimeFigureOut">
+            <a:fld id="{9968575C-0FA0-4A8E-838B-EE8C1AE6BC6C}" type="datetimeFigureOut">
               <a:rPr lang="en-US" smtClean="0"/>
               <a:t>11/7/2009</a:t>
             </a:fld>
@@ -1480,7 +1480,7 @@
           <a:bodyPr/>
           <a:lstStyle/>
           <a:p>
-            <a:fld id="{E393DA0E-4F9B-42B2-8DFF-9EAB4F70BBB6}" type="datetimeFigureOut">
+            <a:fld id="{2645E32B-6C79-4F36-A431-68362C2642D7}" type="datetimeFigureOut">
               <a:rPr lang="en-US" smtClean="0"/>
               <a:t>11/7/2009</a:t>
             </a:fld>
@@ -1869,7 +1869,7 @@
           <a:bodyPr/>
           <a:lstStyle/>
           <a:p>
-            <a:fld id="{D8C88D9F-0402-480D-94DC-47ABFDDB4925}" type="datetimeFigureOut">
+            <a:fld id="{4408DC84-DF17-42C0-AD60-E7E2A6E85A17}" type="datetimeFigureOut">
               <a:rPr lang="en-US" smtClean="0"/>
               <a:t>11/7/2009</a:t>
             </a:fld>
@@ -1982,7 +1982,7 @@
           <a:bodyPr/>
           <a:lstStyle/>
           <a:p>
-            <a:fld id="{78647ADC-5F3B-4F41-AEC5-D34BB3B73F2C}" type="datetimeFigureOut">
+            <a:fld id="{483A0B84-0932-43F2-B036-DB5354E8F19F}" type="datetimeFigureOut">
               <a:rPr lang="en-US" smtClean="0"/>
               <a:t>11/7/2009</a:t>
             </a:fld>
@@ -2072,7 +2072,7 @@
           <a:bodyPr/>
           <a:lstStyle/>
           <a:p>
-            <a:fld id="{AC083E80-8B25-460B-B6C8-EB428EB9D215}" type="datetimeFigureOut">
+            <a:fld id="{7C120524-2903-42C6-B087-AF874B3E735B}" type="datetimeFigureOut">
               <a:rPr lang="en-US" smtClean="0"/>
               <a:t>11/7/2009</a:t>
             </a:fld>
@@ -2327,7 +2327,7 @@
           <a:bodyPr/>
           <a:lstStyle/>
           <a:p>
-            <a:fld id="{24514CF1-6E4D-443C-8FFF-D127CE54FCDA}" type="datetimeFigureOut">
+            <a:fld id="{64F00926-BEED-4A12-9A78-E4B7CC435C5F}" type="datetimeFigureOut">
               <a:rPr lang="en-US" smtClean="0"/>
               <a:t>11/7/2009</a:t>
             </a:fld>
@@ -2559,7 +2559,7 @@
           <a:bodyPr/>
           <a:lstStyle/>
           <a:p>
-            <a:fld id="{FC749C3B-771C-4B45-8273-1B0369BAD3C5}" type="datetimeFigureOut">
+            <a:fld id="{AD585FDE-EB66-4370-A23F-DE281C97DB6A}" type="datetimeFigureOut">
               <a:rPr lang="en-US" smtClean="0"/>
               <a:t>11/7/2009</a:t>
             </a:fld>
@@ -3154,77 +3154,6 @@
           </a:graphicData>
         </a:graphic>
       </p:graphicFrame>
-      <p:sp>
-        <p:nvSpPr>
-          <p:cNvPr id="3" name="TextBox"/>
-          <p:cNvSpPr txBox="1">
-            <a:spLocks noGrp="1" noSelect="1" noRot="1" noMove="1"/>
-          </p:cNvSpPr>
-          <p:nvPr/>
-        </p:nvSpPr>
-        <p:spPr>
-          <a:xfrm>
-            <a:off x="1366520" y="2644140"/>
-            <a:ext cx="6411372" cy="1569660"/>
-          </a:xfrm>
-          <a:prstGeom prst="rect">
-            <a:avLst/>
-          </a:prstGeom>
-          <a:noFill/>
-        </p:spPr>
-        <p:txBody>
-          <a:bodyPr wrap="none" rtlCol="0" anchor="ctr" anchorCtr="1">
-            <a:spAutoFit/>
-          </a:bodyPr>
-          <a:lstStyle>
-            <a:lvl1pPr algn="l">
-              <a:lnSpc>
-                <a:spcPct val="150000"/>
-              </a:lnSpc>
-              <a:spcBef>
-                <a:spcPct val="0"/>
-              </a:spcBef>
-              <a:spcAft>
-                <a:spcPct val="0"/>
-              </a:spcAft>
-              <a:defRPr lang="en-US" sz="3200" b="1" noProof="1" dirty="0">
-                <a:solidFill>
-                  <a:prstClr val="red">
-                    <a:lumOff val="30000"/>
-                    <a:alpha val="40000"/>
-                  </a:prstClr>
-                </a:solidFill>
-                <a:effectLst>
-                  <a:outerShdw blurRad="50800" dist="38100" algn="tr" rotWithShape="0">
-                    <a:prstClr val="black">
-                      <a:alpha val="80000"/>
-                    </a:prstClr>
-                  </a:outerShdw>
-                </a:effectLst>
-                <a:latin typeface="Calibri" pitchFamily="34" charset="0"/>
-              </a:defRPr>
-            </a:lvl1pPr>
-          </a:lstStyle>
-          <a:p>
-            <a:pPr algn="ctr"/>
-            <a:r>
-              <a:t>Evaluation only.</a:t>
-            </a:r>
-          </a:p>
-          <a:p>
-            <a:pPr algn="ctr"/>
-            <a:r>
-              <a:t>Created with Aspose.Slides for .NET 4.0 Client Profile 19.5.</a:t>
-            </a:r>
-          </a:p>
-          <a:p>
-            <a:pPr algn="ctr"/>
-            <a:r>
-              <a:t>Copyright 2004-2019Aspose Pty Ltd.</a:t>
-            </a:r>
-          </a:p>
-        </p:txBody>
-      </p:sp>
     </p:spTree>
   </p:cSld>
   <p:clrMapOvr>
@@ -3239,9 +3168,9 @@
 <p:tagLst xmlns:p="http://schemas.openxmlformats.org/presentationml/2006/main">
   <p:tag name="AS_NET" val="4.0.30319.42000"/>
   <p:tag name="AS_OS" val="Microsoft Windows NT 6.2.9200.0"/>
-  <p:tag name="AS_RELEASE_DATE" val="2019.05.17"/>
+  <p:tag name="AS_RELEASE_DATE" val="2019.06.14"/>
   <p:tag name="AS_TITLE" val="Aspose.Slides for .NET 4.0 Client Profile"/>
-  <p:tag name="AS_VERSION" val="19.5"/>
+  <p:tag name="AS_VERSION" val="19.6"/>
 </p:tagLst>
 </file>
 

--- a/Examples/Data/Charts/PieChart_out.pptx
+++ b/Examples/Data/Charts/PieChart_out.pptx
@@ -1,6 +1,6 @@
 
 <file path=ppt/presentation.xml><?xml version="1.0" encoding="utf-8"?>
-<!--Generated by Aspose.Slides for .NET 19.6-->
+<!--Generated by Aspose.Slides for .NET 21.12-->
 <p:presentation xmlns:r="http://schemas.openxmlformats.org/officeDocument/2006/relationships" xmlns:a="http://schemas.openxmlformats.org/drawingml/2006/main" xmlns:p="http://schemas.openxmlformats.org/presentationml/2006/main" saveSubsetFonts="1">
   <p:sldMasterIdLst>
     <p:sldMasterId id="2147483648" r:id="rId1"/>
@@ -112,7 +112,7 @@
 </file>
 
 <file path=ppt/charts/chart1.xml><?xml version="1.0" encoding="utf-8"?>
-<c:chartSpace xmlns:a="http://schemas.openxmlformats.org/drawingml/2006/main" xmlns:r="http://schemas.openxmlformats.org/officeDocument/2006/relationships" xmlns:c="http://schemas.openxmlformats.org/drawingml/2006/chart">
+<c:chartSpace xmlns:a="http://schemas.openxmlformats.org/drawingml/2006/main" xmlns:r="http://schemas.openxmlformats.org/officeDocument/2006/relationships" xmlns:m="http://schemas.openxmlformats.org/officeDocument/2006/math" xmlns:w="http://schemas.openxmlformats.org/wordprocessingml/2006/main" xmlns:wp="http://schemas.openxmlformats.org/drawingml/2006/wordprocessingDrawing" xmlns:a14="http://schemas.microsoft.com/office/drawing/2010/main" xmlns:c="http://schemas.openxmlformats.org/drawingml/2006/chart">
   <c:date1904 val="0"/>
   <c:lang val="ru-RU"/>
   <c:roundedCorners val="0"/>
@@ -321,11 +321,11 @@
 </file>
 
 <file path=ppt/slideLayouts/slideLayout1.xml><?xml version="1.0" encoding="utf-8"?>
-<p:sldLayout xmlns:a="http://schemas.openxmlformats.org/drawingml/2006/main" xmlns:r="http://schemas.openxmlformats.org/officeDocument/2006/relationships" xmlns:p14="http://schemas.microsoft.com/office/powerpoint/2010/main" xmlns:a14="http://schemas.microsoft.com/office/drawing/2010/main" xmlns:p15="http://schemas.microsoft.com/office/powerpoint/2012/main" xmlns:p159="http://schemas.microsoft.com/office/powerpoint/2015/09/main" xmlns:p="http://schemas.openxmlformats.org/presentationml/2006/main" type="title" preserve="1">
+<p:sldLayout xmlns:a="http://schemas.openxmlformats.org/drawingml/2006/main" xmlns:r="http://schemas.openxmlformats.org/officeDocument/2006/relationships" xmlns:m="http://schemas.openxmlformats.org/officeDocument/2006/math" xmlns:w="http://schemas.openxmlformats.org/wordprocessingml/2006/main" xmlns:wp="http://schemas.openxmlformats.org/drawingml/2006/wordprocessingDrawing" xmlns:a14="http://schemas.microsoft.com/office/drawing/2010/main" xmlns:mc="http://schemas.openxmlformats.org/markup-compatibility/2006" xmlns:p14="http://schemas.microsoft.com/office/powerpoint/2010/main" xmlns:p15="http://schemas.microsoft.com/office/powerpoint/2012/main" xmlns:p159="http://schemas.microsoft.com/office/powerpoint/2015/09/main" xmlns:p="http://schemas.openxmlformats.org/presentationml/2006/main" type="title" preserve="1">
   <p:cSld name="Title Slide">
     <p:spTree>
       <p:nvGrpSpPr>
-        <p:cNvPr id="1" name=""/>
+        <p:cNvPr id="1" name="" title=""/>
         <p:cNvGrpSpPr/>
         <p:nvPr/>
       </p:nvGrpSpPr>
@@ -337,7 +337,7 @@
       </p:grpSpPr>
       <p:sp>
         <p:nvSpPr>
-          <p:cNvPr id="2" name="Title 1"/>
+          <p:cNvPr id="2" name="Title 1" title=""/>
           <p:cNvSpPr>
             <a:spLocks noGrp="1"/>
           </p:cNvSpPr>
@@ -360,7 +360,7 @@
       </p:sp>
       <p:sp>
         <p:nvSpPr>
-          <p:cNvPr id="3" name="Subtitle 2"/>
+          <p:cNvPr id="3" name="Subtitle 2" title=""/>
           <p:cNvSpPr>
             <a:spLocks noGrp="1"/>
           </p:cNvSpPr>
@@ -474,7 +474,7 @@
       </p:sp>
       <p:sp>
         <p:nvSpPr>
-          <p:cNvPr id="4" name="Date Placeholder 3"/>
+          <p:cNvPr id="4" name="Date Placeholder 3" title=""/>
           <p:cNvSpPr>
             <a:spLocks noGrp="1"/>
           </p:cNvSpPr>
@@ -487,7 +487,7 @@
           <a:bodyPr/>
           <a:lstStyle/>
           <a:p>
-            <a:fld id="{17B0221C-3F2E-4D5F-B676-CD825ECB76BC}" type="datetimeFigureOut">
+            <a:fld id="{D6D8F02D-3BFC-40FA-981C-68B2342C006B}" type="datetimeFigureOut">
               <a:rPr lang="en-US" smtClean="0"/>
               <a:t>11/7/2009</a:t>
             </a:fld>
@@ -497,7 +497,7 @@
       </p:sp>
       <p:sp>
         <p:nvSpPr>
-          <p:cNvPr id="5" name="Footer Placeholder 4"/>
+          <p:cNvPr id="5" name="Footer Placeholder 4" title=""/>
           <p:cNvSpPr>
             <a:spLocks noGrp="1"/>
           </p:cNvSpPr>
@@ -516,7 +516,7 @@
       </p:sp>
       <p:sp>
         <p:nvSpPr>
-          <p:cNvPr id="6" name="Slide Number Placeholder 5"/>
+          <p:cNvPr id="6" name="Slide Number Placeholder 5" title=""/>
           <p:cNvSpPr>
             <a:spLocks noGrp="1"/>
           </p:cNvSpPr>
@@ -548,11 +548,11 @@
 </file>
 
 <file path=ppt/slideLayouts/slideLayout10.xml><?xml version="1.0" encoding="utf-8"?>
-<p:sldLayout xmlns:a="http://schemas.openxmlformats.org/drawingml/2006/main" xmlns:r="http://schemas.openxmlformats.org/officeDocument/2006/relationships" xmlns:p14="http://schemas.microsoft.com/office/powerpoint/2010/main" xmlns:a14="http://schemas.microsoft.com/office/drawing/2010/main" xmlns:p15="http://schemas.microsoft.com/office/powerpoint/2012/main" xmlns:p159="http://schemas.microsoft.com/office/powerpoint/2015/09/main" xmlns:p="http://schemas.openxmlformats.org/presentationml/2006/main" type="vertTx" preserve="1">
+<p:sldLayout xmlns:a="http://schemas.openxmlformats.org/drawingml/2006/main" xmlns:r="http://schemas.openxmlformats.org/officeDocument/2006/relationships" xmlns:m="http://schemas.openxmlformats.org/officeDocument/2006/math" xmlns:w="http://schemas.openxmlformats.org/wordprocessingml/2006/main" xmlns:wp="http://schemas.openxmlformats.org/drawingml/2006/wordprocessingDrawing" xmlns:a14="http://schemas.microsoft.com/office/drawing/2010/main" xmlns:mc="http://schemas.openxmlformats.org/markup-compatibility/2006" xmlns:p14="http://schemas.microsoft.com/office/powerpoint/2010/main" xmlns:p15="http://schemas.microsoft.com/office/powerpoint/2012/main" xmlns:p159="http://schemas.microsoft.com/office/powerpoint/2015/09/main" xmlns:p="http://schemas.openxmlformats.org/presentationml/2006/main" type="vertTx" preserve="1">
   <p:cSld name="Title and Vertical Text">
     <p:spTree>
       <p:nvGrpSpPr>
-        <p:cNvPr id="1" name=""/>
+        <p:cNvPr id="1" name="" title=""/>
         <p:cNvGrpSpPr/>
         <p:nvPr/>
       </p:nvGrpSpPr>
@@ -564,7 +564,7 @@
       </p:grpSpPr>
       <p:sp>
         <p:nvSpPr>
-          <p:cNvPr id="2" name="Title 1"/>
+          <p:cNvPr id="2" name="Title 1" title=""/>
           <p:cNvSpPr>
             <a:spLocks noGrp="1"/>
           </p:cNvSpPr>
@@ -587,7 +587,7 @@
       </p:sp>
       <p:sp>
         <p:nvSpPr>
-          <p:cNvPr id="3" name="Vertical Text Placeholder 2"/>
+          <p:cNvPr id="3" name="Vertical Text Placeholder 2" title=""/>
           <p:cNvSpPr>
             <a:spLocks noGrp="1"/>
           </p:cNvSpPr>
@@ -638,7 +638,7 @@
       </p:sp>
       <p:sp>
         <p:nvSpPr>
-          <p:cNvPr id="4" name="Date Placeholder 3"/>
+          <p:cNvPr id="4" name="Date Placeholder 3" title=""/>
           <p:cNvSpPr>
             <a:spLocks noGrp="1"/>
           </p:cNvSpPr>
@@ -651,7 +651,7 @@
           <a:bodyPr/>
           <a:lstStyle/>
           <a:p>
-            <a:fld id="{26C75296-7C75-4F5C-ABD4-4A6A7D961785}" type="datetimeFigureOut">
+            <a:fld id="{5EFAB58A-245F-477E-94F4-A67022E9547D}" type="datetimeFigureOut">
               <a:rPr lang="en-US" smtClean="0"/>
               <a:t>11/7/2009</a:t>
             </a:fld>
@@ -661,7 +661,7 @@
       </p:sp>
       <p:sp>
         <p:nvSpPr>
-          <p:cNvPr id="5" name="Footer Placeholder 4"/>
+          <p:cNvPr id="5" name="Footer Placeholder 4" title=""/>
           <p:cNvSpPr>
             <a:spLocks noGrp="1"/>
           </p:cNvSpPr>
@@ -680,7 +680,7 @@
       </p:sp>
       <p:sp>
         <p:nvSpPr>
-          <p:cNvPr id="6" name="Slide Number Placeholder 5"/>
+          <p:cNvPr id="6" name="Slide Number Placeholder 5" title=""/>
           <p:cNvSpPr>
             <a:spLocks noGrp="1"/>
           </p:cNvSpPr>
@@ -712,11 +712,11 @@
 </file>
 
 <file path=ppt/slideLayouts/slideLayout11.xml><?xml version="1.0" encoding="utf-8"?>
-<p:sldLayout xmlns:a="http://schemas.openxmlformats.org/drawingml/2006/main" xmlns:r="http://schemas.openxmlformats.org/officeDocument/2006/relationships" xmlns:p14="http://schemas.microsoft.com/office/powerpoint/2010/main" xmlns:a14="http://schemas.microsoft.com/office/drawing/2010/main" xmlns:p15="http://schemas.microsoft.com/office/powerpoint/2012/main" xmlns:p159="http://schemas.microsoft.com/office/powerpoint/2015/09/main" xmlns:p="http://schemas.openxmlformats.org/presentationml/2006/main" type="vertTitleAndTx" preserve="1">
+<p:sldLayout xmlns:a="http://schemas.openxmlformats.org/drawingml/2006/main" xmlns:r="http://schemas.openxmlformats.org/officeDocument/2006/relationships" xmlns:m="http://schemas.openxmlformats.org/officeDocument/2006/math" xmlns:w="http://schemas.openxmlformats.org/wordprocessingml/2006/main" xmlns:wp="http://schemas.openxmlformats.org/drawingml/2006/wordprocessingDrawing" xmlns:a14="http://schemas.microsoft.com/office/drawing/2010/main" xmlns:mc="http://schemas.openxmlformats.org/markup-compatibility/2006" xmlns:p14="http://schemas.microsoft.com/office/powerpoint/2010/main" xmlns:p15="http://schemas.microsoft.com/office/powerpoint/2012/main" xmlns:p159="http://schemas.microsoft.com/office/powerpoint/2015/09/main" xmlns:p="http://schemas.openxmlformats.org/presentationml/2006/main" type="vertTitleAndTx" preserve="1">
   <p:cSld name="Vertical Title and Text">
     <p:spTree>
       <p:nvGrpSpPr>
-        <p:cNvPr id="1" name=""/>
+        <p:cNvPr id="1" name="" title=""/>
         <p:cNvGrpSpPr/>
         <p:nvPr/>
       </p:nvGrpSpPr>
@@ -728,7 +728,7 @@
       </p:grpSpPr>
       <p:sp>
         <p:nvSpPr>
-          <p:cNvPr id="2" name="Vertical Title 1"/>
+          <p:cNvPr id="2" name="Vertical Title 1" title=""/>
           <p:cNvSpPr>
             <a:spLocks noGrp="1"/>
           </p:cNvSpPr>
@@ -751,7 +751,7 @@
       </p:sp>
       <p:sp>
         <p:nvSpPr>
-          <p:cNvPr id="3" name="Vertical Text Placeholder 2"/>
+          <p:cNvPr id="3" name="Vertical Text Placeholder 2" title=""/>
           <p:cNvSpPr>
             <a:spLocks noGrp="1"/>
           </p:cNvSpPr>
@@ -802,7 +802,7 @@
       </p:sp>
       <p:sp>
         <p:nvSpPr>
-          <p:cNvPr id="4" name="Date Placeholder 3"/>
+          <p:cNvPr id="4" name="Date Placeholder 3" title=""/>
           <p:cNvSpPr>
             <a:spLocks noGrp="1"/>
           </p:cNvSpPr>
@@ -815,7 +815,7 @@
           <a:bodyPr/>
           <a:lstStyle/>
           <a:p>
-            <a:fld id="{FDA9DF31-0C17-4C73-9D51-E3187EAA189F}" type="datetimeFigureOut">
+            <a:fld id="{8CE8FC77-A96C-41D6-A6F6-E40A429AEC54}" type="datetimeFigureOut">
               <a:rPr lang="en-US" smtClean="0"/>
               <a:t>11/7/2009</a:t>
             </a:fld>
@@ -825,7 +825,7 @@
       </p:sp>
       <p:sp>
         <p:nvSpPr>
-          <p:cNvPr id="5" name="Footer Placeholder 4"/>
+          <p:cNvPr id="5" name="Footer Placeholder 4" title=""/>
           <p:cNvSpPr>
             <a:spLocks noGrp="1"/>
           </p:cNvSpPr>
@@ -844,7 +844,7 @@
       </p:sp>
       <p:sp>
         <p:nvSpPr>
-          <p:cNvPr id="6" name="Slide Number Placeholder 5"/>
+          <p:cNvPr id="6" name="Slide Number Placeholder 5" title=""/>
           <p:cNvSpPr>
             <a:spLocks noGrp="1"/>
           </p:cNvSpPr>
@@ -876,11 +876,11 @@
 </file>
 
 <file path=ppt/slideLayouts/slideLayout2.xml><?xml version="1.0" encoding="utf-8"?>
-<p:sldLayout xmlns:a="http://schemas.openxmlformats.org/drawingml/2006/main" xmlns:r="http://schemas.openxmlformats.org/officeDocument/2006/relationships" xmlns:p14="http://schemas.microsoft.com/office/powerpoint/2010/main" xmlns:a14="http://schemas.microsoft.com/office/drawing/2010/main" xmlns:p15="http://schemas.microsoft.com/office/powerpoint/2012/main" xmlns:p159="http://schemas.microsoft.com/office/powerpoint/2015/09/main" xmlns:p="http://schemas.openxmlformats.org/presentationml/2006/main" type="obj" preserve="1">
+<p:sldLayout xmlns:a="http://schemas.openxmlformats.org/drawingml/2006/main" xmlns:r="http://schemas.openxmlformats.org/officeDocument/2006/relationships" xmlns:m="http://schemas.openxmlformats.org/officeDocument/2006/math" xmlns:w="http://schemas.openxmlformats.org/wordprocessingml/2006/main" xmlns:wp="http://schemas.openxmlformats.org/drawingml/2006/wordprocessingDrawing" xmlns:a14="http://schemas.microsoft.com/office/drawing/2010/main" xmlns:mc="http://schemas.openxmlformats.org/markup-compatibility/2006" xmlns:p14="http://schemas.microsoft.com/office/powerpoint/2010/main" xmlns:p15="http://schemas.microsoft.com/office/powerpoint/2012/main" xmlns:p159="http://schemas.microsoft.com/office/powerpoint/2015/09/main" xmlns:p="http://schemas.openxmlformats.org/presentationml/2006/main" type="obj" preserve="1">
   <p:cSld name="Title and Content">
     <p:spTree>
       <p:nvGrpSpPr>
-        <p:cNvPr id="1" name=""/>
+        <p:cNvPr id="1" name="" title=""/>
         <p:cNvGrpSpPr/>
         <p:nvPr/>
       </p:nvGrpSpPr>
@@ -892,7 +892,7 @@
       </p:grpSpPr>
       <p:sp>
         <p:nvSpPr>
-          <p:cNvPr id="2" name="Title 1"/>
+          <p:cNvPr id="2" name="Title 1" title=""/>
           <p:cNvSpPr>
             <a:spLocks noGrp="1"/>
           </p:cNvSpPr>
@@ -915,7 +915,7 @@
       </p:sp>
       <p:sp>
         <p:nvSpPr>
-          <p:cNvPr id="3" name="Content Placeholder 2"/>
+          <p:cNvPr id="3" name="Content Placeholder 2" title=""/>
           <p:cNvSpPr>
             <a:spLocks noGrp="1"/>
           </p:cNvSpPr>
@@ -966,7 +966,7 @@
       </p:sp>
       <p:sp>
         <p:nvSpPr>
-          <p:cNvPr id="4" name="Date Placeholder 3"/>
+          <p:cNvPr id="4" name="Date Placeholder 3" title=""/>
           <p:cNvSpPr>
             <a:spLocks noGrp="1"/>
           </p:cNvSpPr>
@@ -979,7 +979,7 @@
           <a:bodyPr/>
           <a:lstStyle/>
           <a:p>
-            <a:fld id="{C33C9523-A6A9-4245-9C16-9BA7463B6C03}" type="datetimeFigureOut">
+            <a:fld id="{8BD10387-2FD5-4CAB-81F2-836DEE8C59B7}" type="datetimeFigureOut">
               <a:rPr lang="en-US" smtClean="0"/>
               <a:t>11/7/2009</a:t>
             </a:fld>
@@ -989,7 +989,7 @@
       </p:sp>
       <p:sp>
         <p:nvSpPr>
-          <p:cNvPr id="5" name="Footer Placeholder 4"/>
+          <p:cNvPr id="5" name="Footer Placeholder 4" title=""/>
           <p:cNvSpPr>
             <a:spLocks noGrp="1"/>
           </p:cNvSpPr>
@@ -1008,7 +1008,7 @@
       </p:sp>
       <p:sp>
         <p:nvSpPr>
-          <p:cNvPr id="6" name="Slide Number Placeholder 5"/>
+          <p:cNvPr id="6" name="Slide Number Placeholder 5" title=""/>
           <p:cNvSpPr>
             <a:spLocks noGrp="1"/>
           </p:cNvSpPr>
@@ -1040,11 +1040,11 @@
 </file>
 
 <file path=ppt/slideLayouts/slideLayout3.xml><?xml version="1.0" encoding="utf-8"?>
-<p:sldLayout xmlns:a="http://schemas.openxmlformats.org/drawingml/2006/main" xmlns:r="http://schemas.openxmlformats.org/officeDocument/2006/relationships" xmlns:p14="http://schemas.microsoft.com/office/powerpoint/2010/main" xmlns:a14="http://schemas.microsoft.com/office/drawing/2010/main" xmlns:p15="http://schemas.microsoft.com/office/powerpoint/2012/main" xmlns:p159="http://schemas.microsoft.com/office/powerpoint/2015/09/main" xmlns:p="http://schemas.openxmlformats.org/presentationml/2006/main" type="secHead" preserve="1">
+<p:sldLayout xmlns:a="http://schemas.openxmlformats.org/drawingml/2006/main" xmlns:r="http://schemas.openxmlformats.org/officeDocument/2006/relationships" xmlns:m="http://schemas.openxmlformats.org/officeDocument/2006/math" xmlns:w="http://schemas.openxmlformats.org/wordprocessingml/2006/main" xmlns:wp="http://schemas.openxmlformats.org/drawingml/2006/wordprocessingDrawing" xmlns:a14="http://schemas.microsoft.com/office/drawing/2010/main" xmlns:mc="http://schemas.openxmlformats.org/markup-compatibility/2006" xmlns:p14="http://schemas.microsoft.com/office/powerpoint/2010/main" xmlns:p15="http://schemas.microsoft.com/office/powerpoint/2012/main" xmlns:p159="http://schemas.microsoft.com/office/powerpoint/2015/09/main" xmlns:p="http://schemas.openxmlformats.org/presentationml/2006/main" type="secHead" preserve="1">
   <p:cSld name="Section Header">
     <p:spTree>
       <p:nvGrpSpPr>
-        <p:cNvPr id="1" name=""/>
+        <p:cNvPr id="1" name="" title=""/>
         <p:cNvGrpSpPr/>
         <p:nvPr/>
       </p:nvGrpSpPr>
@@ -1056,7 +1056,7 @@
       </p:grpSpPr>
       <p:sp>
         <p:nvSpPr>
-          <p:cNvPr id="2" name="Title 1"/>
+          <p:cNvPr id="2" name="Title 1" title=""/>
           <p:cNvSpPr>
             <a:spLocks noGrp="1"/>
           </p:cNvSpPr>
@@ -1083,7 +1083,7 @@
       </p:sp>
       <p:sp>
         <p:nvSpPr>
-          <p:cNvPr id="3" name="Text Placeholder 2"/>
+          <p:cNvPr id="3" name="Text Placeholder 2" title=""/>
           <p:cNvSpPr>
             <a:spLocks noGrp="1"/>
           </p:cNvSpPr>
@@ -1196,7 +1196,7 @@
       </p:sp>
       <p:sp>
         <p:nvSpPr>
-          <p:cNvPr id="4" name="Date Placeholder 3"/>
+          <p:cNvPr id="4" name="Date Placeholder 3" title=""/>
           <p:cNvSpPr>
             <a:spLocks noGrp="1"/>
           </p:cNvSpPr>
@@ -1209,7 +1209,7 @@
           <a:bodyPr/>
           <a:lstStyle/>
           <a:p>
-            <a:fld id="{9968575C-0FA0-4A8E-838B-EE8C1AE6BC6C}" type="datetimeFigureOut">
+            <a:fld id="{D7676B86-7504-4C59-AB26-0E3E042AF9A8}" type="datetimeFigureOut">
               <a:rPr lang="en-US" smtClean="0"/>
               <a:t>11/7/2009</a:t>
             </a:fld>
@@ -1219,7 +1219,7 @@
       </p:sp>
       <p:sp>
         <p:nvSpPr>
-          <p:cNvPr id="5" name="Footer Placeholder 4"/>
+          <p:cNvPr id="5" name="Footer Placeholder 4" title=""/>
           <p:cNvSpPr>
             <a:spLocks noGrp="1"/>
           </p:cNvSpPr>
@@ -1238,7 +1238,7 @@
       </p:sp>
       <p:sp>
         <p:nvSpPr>
-          <p:cNvPr id="6" name="Slide Number Placeholder 5"/>
+          <p:cNvPr id="6" name="Slide Number Placeholder 5" title=""/>
           <p:cNvSpPr>
             <a:spLocks noGrp="1"/>
           </p:cNvSpPr>
@@ -1270,11 +1270,11 @@
 </file>
 
 <file path=ppt/slideLayouts/slideLayout4.xml><?xml version="1.0" encoding="utf-8"?>
-<p:sldLayout xmlns:a="http://schemas.openxmlformats.org/drawingml/2006/main" xmlns:r="http://schemas.openxmlformats.org/officeDocument/2006/relationships" xmlns:p14="http://schemas.microsoft.com/office/powerpoint/2010/main" xmlns:a14="http://schemas.microsoft.com/office/drawing/2010/main" xmlns:p15="http://schemas.microsoft.com/office/powerpoint/2012/main" xmlns:p159="http://schemas.microsoft.com/office/powerpoint/2015/09/main" xmlns:p="http://schemas.openxmlformats.org/presentationml/2006/main" type="twoObj" preserve="1">
+<p:sldLayout xmlns:a="http://schemas.openxmlformats.org/drawingml/2006/main" xmlns:r="http://schemas.openxmlformats.org/officeDocument/2006/relationships" xmlns:m="http://schemas.openxmlformats.org/officeDocument/2006/math" xmlns:w="http://schemas.openxmlformats.org/wordprocessingml/2006/main" xmlns:wp="http://schemas.openxmlformats.org/drawingml/2006/wordprocessingDrawing" xmlns:a14="http://schemas.microsoft.com/office/drawing/2010/main" xmlns:mc="http://schemas.openxmlformats.org/markup-compatibility/2006" xmlns:p14="http://schemas.microsoft.com/office/powerpoint/2010/main" xmlns:p15="http://schemas.microsoft.com/office/powerpoint/2012/main" xmlns:p159="http://schemas.microsoft.com/office/powerpoint/2015/09/main" xmlns:p="http://schemas.openxmlformats.org/presentationml/2006/main" type="twoObj" preserve="1">
   <p:cSld name="Two Content">
     <p:spTree>
       <p:nvGrpSpPr>
-        <p:cNvPr id="1" name=""/>
+        <p:cNvPr id="1" name="" title=""/>
         <p:cNvGrpSpPr/>
         <p:nvPr/>
       </p:nvGrpSpPr>
@@ -1286,7 +1286,7 @@
       </p:grpSpPr>
       <p:sp>
         <p:nvSpPr>
-          <p:cNvPr id="2" name="Title 1"/>
+          <p:cNvPr id="2" name="Title 1" title=""/>
           <p:cNvSpPr>
             <a:spLocks noGrp="1"/>
           </p:cNvSpPr>
@@ -1309,7 +1309,7 @@
       </p:sp>
       <p:sp>
         <p:nvSpPr>
-          <p:cNvPr id="3" name="Content Placeholder 2"/>
+          <p:cNvPr id="3" name="Content Placeholder 2" title=""/>
           <p:cNvSpPr>
             <a:spLocks noGrp="1"/>
           </p:cNvSpPr>
@@ -1388,7 +1388,7 @@
       </p:sp>
       <p:sp>
         <p:nvSpPr>
-          <p:cNvPr id="4" name="Content Placeholder 3"/>
+          <p:cNvPr id="4" name="Content Placeholder 3" title=""/>
           <p:cNvSpPr>
             <a:spLocks noGrp="1"/>
           </p:cNvSpPr>
@@ -1467,7 +1467,7 @@
       </p:sp>
       <p:sp>
         <p:nvSpPr>
-          <p:cNvPr id="5" name="Date Placeholder 4"/>
+          <p:cNvPr id="5" name="Date Placeholder 4" title=""/>
           <p:cNvSpPr>
             <a:spLocks noGrp="1"/>
           </p:cNvSpPr>
@@ -1480,7 +1480,7 @@
           <a:bodyPr/>
           <a:lstStyle/>
           <a:p>
-            <a:fld id="{2645E32B-6C79-4F36-A431-68362C2642D7}" type="datetimeFigureOut">
+            <a:fld id="{0B452FB8-4826-4B9A-B54D-99BC1080E8E5}" type="datetimeFigureOut">
               <a:rPr lang="en-US" smtClean="0"/>
               <a:t>11/7/2009</a:t>
             </a:fld>
@@ -1490,7 +1490,7 @@
       </p:sp>
       <p:sp>
         <p:nvSpPr>
-          <p:cNvPr id="6" name="Footer Placeholder 5"/>
+          <p:cNvPr id="6" name="Footer Placeholder 5" title=""/>
           <p:cNvSpPr>
             <a:spLocks noGrp="1"/>
           </p:cNvSpPr>
@@ -1509,7 +1509,7 @@
       </p:sp>
       <p:sp>
         <p:nvSpPr>
-          <p:cNvPr id="7" name="Slide Number Placeholder 6"/>
+          <p:cNvPr id="7" name="Slide Number Placeholder 6" title=""/>
           <p:cNvSpPr>
             <a:spLocks noGrp="1"/>
           </p:cNvSpPr>
@@ -1541,11 +1541,11 @@
 </file>
 
 <file path=ppt/slideLayouts/slideLayout5.xml><?xml version="1.0" encoding="utf-8"?>
-<p:sldLayout xmlns:a="http://schemas.openxmlformats.org/drawingml/2006/main" xmlns:r="http://schemas.openxmlformats.org/officeDocument/2006/relationships" xmlns:p14="http://schemas.microsoft.com/office/powerpoint/2010/main" xmlns:a14="http://schemas.microsoft.com/office/drawing/2010/main" xmlns:p15="http://schemas.microsoft.com/office/powerpoint/2012/main" xmlns:p159="http://schemas.microsoft.com/office/powerpoint/2015/09/main" xmlns:p="http://schemas.openxmlformats.org/presentationml/2006/main" type="twoTxTwoObj" preserve="1">
+<p:sldLayout xmlns:a="http://schemas.openxmlformats.org/drawingml/2006/main" xmlns:r="http://schemas.openxmlformats.org/officeDocument/2006/relationships" xmlns:m="http://schemas.openxmlformats.org/officeDocument/2006/math" xmlns:w="http://schemas.openxmlformats.org/wordprocessingml/2006/main" xmlns:wp="http://schemas.openxmlformats.org/drawingml/2006/wordprocessingDrawing" xmlns:a14="http://schemas.microsoft.com/office/drawing/2010/main" xmlns:mc="http://schemas.openxmlformats.org/markup-compatibility/2006" xmlns:p14="http://schemas.microsoft.com/office/powerpoint/2010/main" xmlns:p15="http://schemas.microsoft.com/office/powerpoint/2012/main" xmlns:p159="http://schemas.microsoft.com/office/powerpoint/2015/09/main" xmlns:p="http://schemas.openxmlformats.org/presentationml/2006/main" type="twoTxTwoObj" preserve="1">
   <p:cSld name="Comparison">
     <p:spTree>
       <p:nvGrpSpPr>
-        <p:cNvPr id="1" name=""/>
+        <p:cNvPr id="1" name="" title=""/>
         <p:cNvGrpSpPr/>
         <p:nvPr/>
       </p:nvGrpSpPr>
@@ -1557,7 +1557,7 @@
       </p:grpSpPr>
       <p:sp>
         <p:nvSpPr>
-          <p:cNvPr id="2" name="Title 1"/>
+          <p:cNvPr id="2" name="Title 1" title=""/>
           <p:cNvSpPr>
             <a:spLocks noGrp="1"/>
           </p:cNvSpPr>
@@ -1580,7 +1580,7 @@
       </p:sp>
       <p:sp>
         <p:nvSpPr>
-          <p:cNvPr id="3" name="Text Placeholder 2"/>
+          <p:cNvPr id="3" name="Text Placeholder 2" title=""/>
           <p:cNvSpPr>
             <a:spLocks noGrp="1"/>
           </p:cNvSpPr>
@@ -1639,7 +1639,7 @@
       </p:sp>
       <p:sp>
         <p:nvSpPr>
-          <p:cNvPr id="4" name="Content Placeholder 3"/>
+          <p:cNvPr id="4" name="Content Placeholder 3" title=""/>
           <p:cNvSpPr>
             <a:spLocks noGrp="1"/>
           </p:cNvSpPr>
@@ -1718,7 +1718,7 @@
       </p:sp>
       <p:sp>
         <p:nvSpPr>
-          <p:cNvPr id="5" name="Text Placeholder 4"/>
+          <p:cNvPr id="5" name="Text Placeholder 4" title=""/>
           <p:cNvSpPr>
             <a:spLocks noGrp="1"/>
           </p:cNvSpPr>
@@ -1777,7 +1777,7 @@
       </p:sp>
       <p:sp>
         <p:nvSpPr>
-          <p:cNvPr id="6" name="Content Placeholder 5"/>
+          <p:cNvPr id="6" name="Content Placeholder 5" title=""/>
           <p:cNvSpPr>
             <a:spLocks noGrp="1"/>
           </p:cNvSpPr>
@@ -1856,7 +1856,7 @@
       </p:sp>
       <p:sp>
         <p:nvSpPr>
-          <p:cNvPr id="7" name="Date Placeholder 6"/>
+          <p:cNvPr id="7" name="Date Placeholder 6" title=""/>
           <p:cNvSpPr>
             <a:spLocks noGrp="1"/>
           </p:cNvSpPr>
@@ -1869,7 +1869,7 @@
           <a:bodyPr/>
           <a:lstStyle/>
           <a:p>
-            <a:fld id="{4408DC84-DF17-42C0-AD60-E7E2A6E85A17}" type="datetimeFigureOut">
+            <a:fld id="{4CA21ADA-02A3-4EC0-820E-2D9A10C154D0}" type="datetimeFigureOut">
               <a:rPr lang="en-US" smtClean="0"/>
               <a:t>11/7/2009</a:t>
             </a:fld>
@@ -1879,7 +1879,7 @@
       </p:sp>
       <p:sp>
         <p:nvSpPr>
-          <p:cNvPr id="8" name="Footer Placeholder 7"/>
+          <p:cNvPr id="8" name="Footer Placeholder 7" title=""/>
           <p:cNvSpPr>
             <a:spLocks noGrp="1"/>
           </p:cNvSpPr>
@@ -1898,7 +1898,7 @@
       </p:sp>
       <p:sp>
         <p:nvSpPr>
-          <p:cNvPr id="9" name="Slide Number Placeholder 8"/>
+          <p:cNvPr id="9" name="Slide Number Placeholder 8" title=""/>
           <p:cNvSpPr>
             <a:spLocks noGrp="1"/>
           </p:cNvSpPr>
@@ -1930,11 +1930,11 @@
 </file>
 
 <file path=ppt/slideLayouts/slideLayout6.xml><?xml version="1.0" encoding="utf-8"?>
-<p:sldLayout xmlns:a="http://schemas.openxmlformats.org/drawingml/2006/main" xmlns:r="http://schemas.openxmlformats.org/officeDocument/2006/relationships" xmlns:p14="http://schemas.microsoft.com/office/powerpoint/2010/main" xmlns:a14="http://schemas.microsoft.com/office/drawing/2010/main" xmlns:p15="http://schemas.microsoft.com/office/powerpoint/2012/main" xmlns:p159="http://schemas.microsoft.com/office/powerpoint/2015/09/main" xmlns:p="http://schemas.openxmlformats.org/presentationml/2006/main" type="titleOnly" preserve="1">
+<p:sldLayout xmlns:a="http://schemas.openxmlformats.org/drawingml/2006/main" xmlns:r="http://schemas.openxmlformats.org/officeDocument/2006/relationships" xmlns:m="http://schemas.openxmlformats.org/officeDocument/2006/math" xmlns:w="http://schemas.openxmlformats.org/wordprocessingml/2006/main" xmlns:wp="http://schemas.openxmlformats.org/drawingml/2006/wordprocessingDrawing" xmlns:a14="http://schemas.microsoft.com/office/drawing/2010/main" xmlns:mc="http://schemas.openxmlformats.org/markup-compatibility/2006" xmlns:p14="http://schemas.microsoft.com/office/powerpoint/2010/main" xmlns:p15="http://schemas.microsoft.com/office/powerpoint/2012/main" xmlns:p159="http://schemas.microsoft.com/office/powerpoint/2015/09/main" xmlns:p="http://schemas.openxmlformats.org/presentationml/2006/main" type="titleOnly" preserve="1">
   <p:cSld name="Title Only">
     <p:spTree>
       <p:nvGrpSpPr>
-        <p:cNvPr id="1" name=""/>
+        <p:cNvPr id="1" name="" title=""/>
         <p:cNvGrpSpPr/>
         <p:nvPr/>
       </p:nvGrpSpPr>
@@ -1946,7 +1946,7 @@
       </p:grpSpPr>
       <p:sp>
         <p:nvSpPr>
-          <p:cNvPr id="2" name="Title 1"/>
+          <p:cNvPr id="2" name="Title 1" title=""/>
           <p:cNvSpPr>
             <a:spLocks noGrp="1"/>
           </p:cNvSpPr>
@@ -1969,7 +1969,7 @@
       </p:sp>
       <p:sp>
         <p:nvSpPr>
-          <p:cNvPr id="3" name="Date Placeholder 2"/>
+          <p:cNvPr id="3" name="Date Placeholder 2" title=""/>
           <p:cNvSpPr>
             <a:spLocks noGrp="1"/>
           </p:cNvSpPr>
@@ -1982,7 +1982,7 @@
           <a:bodyPr/>
           <a:lstStyle/>
           <a:p>
-            <a:fld id="{483A0B84-0932-43F2-B036-DB5354E8F19F}" type="datetimeFigureOut">
+            <a:fld id="{58DF6E73-AF73-4D08-8174-C122E3613F67}" type="datetimeFigureOut">
               <a:rPr lang="en-US" smtClean="0"/>
               <a:t>11/7/2009</a:t>
             </a:fld>
@@ -1992,7 +1992,7 @@
       </p:sp>
       <p:sp>
         <p:nvSpPr>
-          <p:cNvPr id="4" name="Footer Placeholder 3"/>
+          <p:cNvPr id="4" name="Footer Placeholder 3" title=""/>
           <p:cNvSpPr>
             <a:spLocks noGrp="1"/>
           </p:cNvSpPr>
@@ -2011,7 +2011,7 @@
       </p:sp>
       <p:sp>
         <p:nvSpPr>
-          <p:cNvPr id="5" name="Slide Number Placeholder 4"/>
+          <p:cNvPr id="5" name="Slide Number Placeholder 4" title=""/>
           <p:cNvSpPr>
             <a:spLocks noGrp="1"/>
           </p:cNvSpPr>
@@ -2043,11 +2043,11 @@
 </file>
 
 <file path=ppt/slideLayouts/slideLayout7.xml><?xml version="1.0" encoding="utf-8"?>
-<p:sldLayout xmlns:a="http://schemas.openxmlformats.org/drawingml/2006/main" xmlns:r="http://schemas.openxmlformats.org/officeDocument/2006/relationships" xmlns:p14="http://schemas.microsoft.com/office/powerpoint/2010/main" xmlns:a14="http://schemas.microsoft.com/office/drawing/2010/main" xmlns:p15="http://schemas.microsoft.com/office/powerpoint/2012/main" xmlns:p159="http://schemas.microsoft.com/office/powerpoint/2015/09/main" xmlns:p="http://schemas.openxmlformats.org/presentationml/2006/main" type="blank" preserve="1">
+<p:sldLayout xmlns:a="http://schemas.openxmlformats.org/drawingml/2006/main" xmlns:r="http://schemas.openxmlformats.org/officeDocument/2006/relationships" xmlns:m="http://schemas.openxmlformats.org/officeDocument/2006/math" xmlns:w="http://schemas.openxmlformats.org/wordprocessingml/2006/main" xmlns:wp="http://schemas.openxmlformats.org/drawingml/2006/wordprocessingDrawing" xmlns:a14="http://schemas.microsoft.com/office/drawing/2010/main" xmlns:mc="http://schemas.openxmlformats.org/markup-compatibility/2006" xmlns:p14="http://schemas.microsoft.com/office/powerpoint/2010/main" xmlns:p15="http://schemas.microsoft.com/office/powerpoint/2012/main" xmlns:p159="http://schemas.microsoft.com/office/powerpoint/2015/09/main" xmlns:p="http://schemas.openxmlformats.org/presentationml/2006/main" type="blank" preserve="1">
   <p:cSld name="Blank">
     <p:spTree>
       <p:nvGrpSpPr>
-        <p:cNvPr id="1" name=""/>
+        <p:cNvPr id="1" name="" title=""/>
         <p:cNvGrpSpPr/>
         <p:nvPr/>
       </p:nvGrpSpPr>
@@ -2059,7 +2059,7 @@
       </p:grpSpPr>
       <p:sp>
         <p:nvSpPr>
-          <p:cNvPr id="2" name="Date Placeholder 1"/>
+          <p:cNvPr id="2" name="Date Placeholder 1" title=""/>
           <p:cNvSpPr>
             <a:spLocks noGrp="1"/>
           </p:cNvSpPr>
@@ -2072,7 +2072,7 @@
           <a:bodyPr/>
           <a:lstStyle/>
           <a:p>
-            <a:fld id="{7C120524-2903-42C6-B087-AF874B3E735B}" type="datetimeFigureOut">
+            <a:fld id="{0238279C-7A0E-4FBB-94C8-5A1118919567}" type="datetimeFigureOut">
               <a:rPr lang="en-US" smtClean="0"/>
               <a:t>11/7/2009</a:t>
             </a:fld>
@@ -2082,7 +2082,7 @@
       </p:sp>
       <p:sp>
         <p:nvSpPr>
-          <p:cNvPr id="3" name="Footer Placeholder 2"/>
+          <p:cNvPr id="3" name="Footer Placeholder 2" title=""/>
           <p:cNvSpPr>
             <a:spLocks noGrp="1"/>
           </p:cNvSpPr>
@@ -2101,7 +2101,7 @@
       </p:sp>
       <p:sp>
         <p:nvSpPr>
-          <p:cNvPr id="4" name="Slide Number Placeholder 3"/>
+          <p:cNvPr id="4" name="Slide Number Placeholder 3" title=""/>
           <p:cNvSpPr>
             <a:spLocks noGrp="1"/>
           </p:cNvSpPr>
@@ -2133,11 +2133,11 @@
 </file>
 
 <file path=ppt/slideLayouts/slideLayout8.xml><?xml version="1.0" encoding="utf-8"?>
-<p:sldLayout xmlns:a="http://schemas.openxmlformats.org/drawingml/2006/main" xmlns:r="http://schemas.openxmlformats.org/officeDocument/2006/relationships" xmlns:p14="http://schemas.microsoft.com/office/powerpoint/2010/main" xmlns:a14="http://schemas.microsoft.com/office/drawing/2010/main" xmlns:p15="http://schemas.microsoft.com/office/powerpoint/2012/main" xmlns:p159="http://schemas.microsoft.com/office/powerpoint/2015/09/main" xmlns:p="http://schemas.openxmlformats.org/presentationml/2006/main" type="objTx" preserve="1">
+<p:sldLayout xmlns:a="http://schemas.openxmlformats.org/drawingml/2006/main" xmlns:r="http://schemas.openxmlformats.org/officeDocument/2006/relationships" xmlns:m="http://schemas.openxmlformats.org/officeDocument/2006/math" xmlns:w="http://schemas.openxmlformats.org/wordprocessingml/2006/main" xmlns:wp="http://schemas.openxmlformats.org/drawingml/2006/wordprocessingDrawing" xmlns:a14="http://schemas.microsoft.com/office/drawing/2010/main" xmlns:mc="http://schemas.openxmlformats.org/markup-compatibility/2006" xmlns:p14="http://schemas.microsoft.com/office/powerpoint/2010/main" xmlns:p15="http://schemas.microsoft.com/office/powerpoint/2012/main" xmlns:p159="http://schemas.microsoft.com/office/powerpoint/2015/09/main" xmlns:p="http://schemas.openxmlformats.org/presentationml/2006/main" type="objTx" preserve="1">
   <p:cSld name="Content with Caption">
     <p:spTree>
       <p:nvGrpSpPr>
-        <p:cNvPr id="1" name=""/>
+        <p:cNvPr id="1" name="" title=""/>
         <p:cNvGrpSpPr/>
         <p:nvPr/>
       </p:nvGrpSpPr>
@@ -2149,7 +2149,7 @@
       </p:grpSpPr>
       <p:sp>
         <p:nvSpPr>
-          <p:cNvPr id="2" name="Title 1"/>
+          <p:cNvPr id="2" name="Title 1" title=""/>
           <p:cNvSpPr>
             <a:spLocks noGrp="1"/>
           </p:cNvSpPr>
@@ -2176,7 +2176,7 @@
       </p:sp>
       <p:sp>
         <p:nvSpPr>
-          <p:cNvPr id="3" name="Content Placeholder 2"/>
+          <p:cNvPr id="3" name="Content Placeholder 2" title=""/>
           <p:cNvSpPr>
             <a:spLocks noGrp="1"/>
           </p:cNvSpPr>
@@ -2255,7 +2255,7 @@
       </p:sp>
       <p:sp>
         <p:nvSpPr>
-          <p:cNvPr id="4" name="Text Placeholder 3"/>
+          <p:cNvPr id="4" name="Text Placeholder 3" title=""/>
           <p:cNvSpPr>
             <a:spLocks noGrp="1"/>
           </p:cNvSpPr>
@@ -2314,7 +2314,7 @@
       </p:sp>
       <p:sp>
         <p:nvSpPr>
-          <p:cNvPr id="5" name="Date Placeholder 4"/>
+          <p:cNvPr id="5" name="Date Placeholder 4" title=""/>
           <p:cNvSpPr>
             <a:spLocks noGrp="1"/>
           </p:cNvSpPr>
@@ -2327,7 +2327,7 @@
           <a:bodyPr/>
           <a:lstStyle/>
           <a:p>
-            <a:fld id="{64F00926-BEED-4A12-9A78-E4B7CC435C5F}" type="datetimeFigureOut">
+            <a:fld id="{F89028C3-DF84-4E2E-AF65-18448C18DEB6}" type="datetimeFigureOut">
               <a:rPr lang="en-US" smtClean="0"/>
               <a:t>11/7/2009</a:t>
             </a:fld>
@@ -2337,7 +2337,7 @@
       </p:sp>
       <p:sp>
         <p:nvSpPr>
-          <p:cNvPr id="6" name="Footer Placeholder 5"/>
+          <p:cNvPr id="6" name="Footer Placeholder 5" title=""/>
           <p:cNvSpPr>
             <a:spLocks noGrp="1"/>
           </p:cNvSpPr>
@@ -2356,7 +2356,7 @@
       </p:sp>
       <p:sp>
         <p:nvSpPr>
-          <p:cNvPr id="7" name="Slide Number Placeholder 6"/>
+          <p:cNvPr id="7" name="Slide Number Placeholder 6" title=""/>
           <p:cNvSpPr>
             <a:spLocks noGrp="1"/>
           </p:cNvSpPr>
@@ -2388,11 +2388,11 @@
 </file>
 
 <file path=ppt/slideLayouts/slideLayout9.xml><?xml version="1.0" encoding="utf-8"?>
-<p:sldLayout xmlns:a="http://schemas.openxmlformats.org/drawingml/2006/main" xmlns:r="http://schemas.openxmlformats.org/officeDocument/2006/relationships" xmlns:p14="http://schemas.microsoft.com/office/powerpoint/2010/main" xmlns:a14="http://schemas.microsoft.com/office/drawing/2010/main" xmlns:p15="http://schemas.microsoft.com/office/powerpoint/2012/main" xmlns:p159="http://schemas.microsoft.com/office/powerpoint/2015/09/main" xmlns:p="http://schemas.openxmlformats.org/presentationml/2006/main" type="picTx" preserve="1">
+<p:sldLayout xmlns:a="http://schemas.openxmlformats.org/drawingml/2006/main" xmlns:r="http://schemas.openxmlformats.org/officeDocument/2006/relationships" xmlns:m="http://schemas.openxmlformats.org/officeDocument/2006/math" xmlns:w="http://schemas.openxmlformats.org/wordprocessingml/2006/main" xmlns:wp="http://schemas.openxmlformats.org/drawingml/2006/wordprocessingDrawing" xmlns:a14="http://schemas.microsoft.com/office/drawing/2010/main" xmlns:mc="http://schemas.openxmlformats.org/markup-compatibility/2006" xmlns:p14="http://schemas.microsoft.com/office/powerpoint/2010/main" xmlns:p15="http://schemas.microsoft.com/office/powerpoint/2012/main" xmlns:p159="http://schemas.microsoft.com/office/powerpoint/2015/09/main" xmlns:p="http://schemas.openxmlformats.org/presentationml/2006/main" type="picTx" preserve="1">
   <p:cSld name="Picture with Caption">
     <p:spTree>
       <p:nvGrpSpPr>
-        <p:cNvPr id="1" name=""/>
+        <p:cNvPr id="1" name="" title=""/>
         <p:cNvGrpSpPr/>
         <p:nvPr/>
       </p:nvGrpSpPr>
@@ -2404,7 +2404,7 @@
       </p:grpSpPr>
       <p:sp>
         <p:nvSpPr>
-          <p:cNvPr id="2" name="Title 1"/>
+          <p:cNvPr id="2" name="Title 1" title=""/>
           <p:cNvSpPr>
             <a:spLocks noGrp="1"/>
           </p:cNvSpPr>
@@ -2431,7 +2431,7 @@
       </p:sp>
       <p:sp>
         <p:nvSpPr>
-          <p:cNvPr id="3" name="Picture Placeholder 2"/>
+          <p:cNvPr id="3" name="Picture Placeholder 2" title=""/>
           <p:cNvSpPr>
             <a:spLocks noGrp="1"/>
           </p:cNvSpPr>
@@ -2487,7 +2487,7 @@
       </p:sp>
       <p:sp>
         <p:nvSpPr>
-          <p:cNvPr id="4" name="Text Placeholder 3"/>
+          <p:cNvPr id="4" name="Text Placeholder 3" title=""/>
           <p:cNvSpPr>
             <a:spLocks noGrp="1"/>
           </p:cNvSpPr>
@@ -2546,7 +2546,7 @@
       </p:sp>
       <p:sp>
         <p:nvSpPr>
-          <p:cNvPr id="5" name="Date Placeholder 4"/>
+          <p:cNvPr id="5" name="Date Placeholder 4" title=""/>
           <p:cNvSpPr>
             <a:spLocks noGrp="1"/>
           </p:cNvSpPr>
@@ -2559,7 +2559,7 @@
           <a:bodyPr/>
           <a:lstStyle/>
           <a:p>
-            <a:fld id="{AD585FDE-EB66-4370-A23F-DE281C97DB6A}" type="datetimeFigureOut">
+            <a:fld id="{2D7DFD21-D8EF-47F9-A37C-036420B4ADC7}" type="datetimeFigureOut">
               <a:rPr lang="en-US" smtClean="0"/>
               <a:t>11/7/2009</a:t>
             </a:fld>
@@ -2569,7 +2569,7 @@
       </p:sp>
       <p:sp>
         <p:nvSpPr>
-          <p:cNvPr id="6" name="Footer Placeholder 5"/>
+          <p:cNvPr id="6" name="Footer Placeholder 5" title=""/>
           <p:cNvSpPr>
             <a:spLocks noGrp="1"/>
           </p:cNvSpPr>
@@ -2588,7 +2588,7 @@
       </p:sp>
       <p:sp>
         <p:nvSpPr>
-          <p:cNvPr id="7" name="Slide Number Placeholder 6"/>
+          <p:cNvPr id="7" name="Slide Number Placeholder 6" title=""/>
           <p:cNvSpPr>
             <a:spLocks noGrp="1"/>
           </p:cNvSpPr>
@@ -2620,7 +2620,7 @@
 </file>
 
 <file path=ppt/slideMasters/slideMaster1.xml><?xml version="1.0" encoding="utf-8"?>
-<p:sldMaster xmlns:a="http://schemas.openxmlformats.org/drawingml/2006/main" xmlns:r="http://schemas.openxmlformats.org/officeDocument/2006/relationships" xmlns:p14="http://schemas.microsoft.com/office/powerpoint/2010/main" xmlns:a14="http://schemas.microsoft.com/office/drawing/2010/main" xmlns:p15="http://schemas.microsoft.com/office/powerpoint/2012/main" xmlns:p159="http://schemas.microsoft.com/office/powerpoint/2015/09/main" xmlns:p="http://schemas.openxmlformats.org/presentationml/2006/main">
+<p:sldMaster xmlns:a="http://schemas.openxmlformats.org/drawingml/2006/main" xmlns:r="http://schemas.openxmlformats.org/officeDocument/2006/relationships" xmlns:m="http://schemas.openxmlformats.org/officeDocument/2006/math" xmlns:w="http://schemas.openxmlformats.org/wordprocessingml/2006/main" xmlns:wp="http://schemas.openxmlformats.org/drawingml/2006/wordprocessingDrawing" xmlns:a14="http://schemas.microsoft.com/office/drawing/2010/main" xmlns:mc="http://schemas.openxmlformats.org/markup-compatibility/2006" xmlns:p14="http://schemas.microsoft.com/office/powerpoint/2010/main" xmlns:p15="http://schemas.microsoft.com/office/powerpoint/2012/main" xmlns:p159="http://schemas.microsoft.com/office/powerpoint/2015/09/main" xmlns:p="http://schemas.openxmlformats.org/presentationml/2006/main">
   <p:cSld>
     <p:bg>
       <p:bgRef idx="1001">
@@ -2629,7 +2629,7 @@
     </p:bg>
     <p:spTree>
       <p:nvGrpSpPr>
-        <p:cNvPr id="1" name=""/>
+        <p:cNvPr id="1" name="" title=""/>
         <p:cNvGrpSpPr/>
         <p:nvPr/>
       </p:nvGrpSpPr>
@@ -2641,7 +2641,7 @@
       </p:grpSpPr>
       <p:sp>
         <p:nvSpPr>
-          <p:cNvPr id="2" name="Title Placeholder 1"/>
+          <p:cNvPr id="2" name="Title Placeholder 1" title=""/>
           <p:cNvSpPr>
             <a:spLocks noGrp="1"/>
           </p:cNvSpPr>
@@ -2674,7 +2674,7 @@
       </p:sp>
       <p:sp>
         <p:nvSpPr>
-          <p:cNvPr id="3" name="Text Placeholder 2"/>
+          <p:cNvPr id="3" name="Text Placeholder 2" title=""/>
           <p:cNvSpPr>
             <a:spLocks noGrp="1"/>
           </p:cNvSpPr>
@@ -2735,7 +2735,7 @@
       </p:sp>
       <p:sp>
         <p:nvSpPr>
-          <p:cNvPr id="4" name="Date Placeholder 3"/>
+          <p:cNvPr id="4" name="Date Placeholder 3" title=""/>
           <p:cNvSpPr>
             <a:spLocks noGrp="1"/>
           </p:cNvSpPr>
@@ -2776,7 +2776,7 @@
       </p:sp>
       <p:sp>
         <p:nvSpPr>
-          <p:cNvPr id="5" name="Footer Placeholder 4"/>
+          <p:cNvPr id="5" name="Footer Placeholder 4" title=""/>
           <p:cNvSpPr>
             <a:spLocks noGrp="1"/>
           </p:cNvSpPr>
@@ -2813,7 +2813,7 @@
       </p:sp>
       <p:sp>
         <p:nvSpPr>
-          <p:cNvPr id="6" name="Slide Number Placeholder 5"/>
+          <p:cNvPr id="6" name="Slide Number Placeholder 5" title=""/>
           <p:cNvSpPr>
             <a:spLocks noGrp="1"/>
           </p:cNvSpPr>
@@ -3124,11 +3124,11 @@
 </file>
 
 <file path=ppt/slides/slide1.xml><?xml version="1.0" encoding="utf-8"?>
-<p:sld xmlns:a="http://schemas.openxmlformats.org/drawingml/2006/main" xmlns:r="http://schemas.openxmlformats.org/officeDocument/2006/relationships" xmlns:p14="http://schemas.microsoft.com/office/powerpoint/2010/main" xmlns:a14="http://schemas.microsoft.com/office/drawing/2010/main" xmlns:p15="http://schemas.microsoft.com/office/powerpoint/2012/main" xmlns:p159="http://schemas.microsoft.com/office/powerpoint/2015/09/main" xmlns:p="http://schemas.openxmlformats.org/presentationml/2006/main">
+<p:sld xmlns:a="http://schemas.openxmlformats.org/drawingml/2006/main" xmlns:r="http://schemas.openxmlformats.org/officeDocument/2006/relationships" xmlns:m="http://schemas.openxmlformats.org/officeDocument/2006/math" xmlns:w="http://schemas.openxmlformats.org/wordprocessingml/2006/main" xmlns:wp="http://schemas.openxmlformats.org/drawingml/2006/wordprocessingDrawing" xmlns:a14="http://schemas.microsoft.com/office/drawing/2010/main" xmlns:mc="http://schemas.openxmlformats.org/markup-compatibility/2006" xmlns:p14="http://schemas.microsoft.com/office/powerpoint/2010/main" xmlns:p15="http://schemas.microsoft.com/office/powerpoint/2012/main" xmlns:p159="http://schemas.microsoft.com/office/powerpoint/2015/09/main" xmlns:p="http://schemas.openxmlformats.org/presentationml/2006/main">
   <p:cSld name="">
     <p:spTree>
       <p:nvGrpSpPr>
-        <p:cNvPr id="1" name=""/>
+        <p:cNvPr id="1" name="" title=""/>
         <p:cNvGrpSpPr/>
         <p:nvPr/>
       </p:nvGrpSpPr>
@@ -3140,7 +3140,7 @@
       </p:grpSpPr>
       <p:graphicFrame>
         <p:nvGraphicFramePr>
-          <p:cNvPr id="2" name="ChartObject"/>
+          <p:cNvPr id="2" name="ChartObject" title=""/>
           <p:cNvGraphicFramePr/>
           <p:nvPr/>
         </p:nvGraphicFramePr>
@@ -3154,6 +3154,77 @@
           </a:graphicData>
         </a:graphic>
       </p:graphicFrame>
+      <p:sp>
+        <p:nvSpPr>
+          <p:cNvPr id="3" name="TextBox"/>
+          <p:cNvSpPr txBox="1">
+            <a:spLocks noGrp="1" noSelect="1" noRot="1" noMove="1"/>
+          </p:cNvSpPr>
+          <p:nvPr/>
+        </p:nvSpPr>
+        <p:spPr>
+          <a:xfrm>
+            <a:off x="1366520" y="2644140"/>
+            <a:ext cx="6411372" cy="1569660"/>
+          </a:xfrm>
+          <a:prstGeom prst="rect">
+            <a:avLst/>
+          </a:prstGeom>
+          <a:noFill/>
+        </p:spPr>
+        <p:txBody>
+          <a:bodyPr wrap="none" rtlCol="0" anchor="ctr" anchorCtr="1">
+            <a:spAutoFit/>
+          </a:bodyPr>
+          <a:lstStyle>
+            <a:lvl1pPr algn="l">
+              <a:lnSpc>
+                <a:spcPct val="150000"/>
+              </a:lnSpc>
+              <a:spcBef>
+                <a:spcPct val="0"/>
+              </a:spcBef>
+              <a:spcAft>
+                <a:spcPct val="0"/>
+              </a:spcAft>
+              <a:defRPr lang="en-US" sz="3200" b="1" noProof="1" dirty="0">
+                <a:solidFill>
+                  <a:prstClr val="red">
+                    <a:lumOff val="30000"/>
+                    <a:alpha val="40000"/>
+                  </a:prstClr>
+                </a:solidFill>
+                <a:effectLst>
+                  <a:outerShdw blurRad="50800" dist="38100" algn="tr" rotWithShape="0">
+                    <a:prstClr val="black">
+                      <a:alpha val="80000"/>
+                    </a:prstClr>
+                  </a:outerShdw>
+                </a:effectLst>
+                <a:latin typeface="Calibri" pitchFamily="34" charset="0"/>
+              </a:defRPr>
+            </a:lvl1pPr>
+          </a:lstStyle>
+          <a:p>
+            <a:pPr algn="ctr"/>
+            <a:r>
+              <a:t>Evaluation only.</a:t>
+            </a:r>
+          </a:p>
+          <a:p>
+            <a:pPr algn="ctr"/>
+            <a:r>
+              <a:t>Created with Aspose.Slides for .NET 4.0 Client Profile 21.12.</a:t>
+            </a:r>
+          </a:p>
+          <a:p>
+            <a:pPr algn="ctr"/>
+            <a:r>
+              <a:t>Copyright 2004-2021Aspose Pty Ltd.</a:t>
+            </a:r>
+          </a:p>
+        </p:txBody>
+      </p:sp>
     </p:spTree>
   </p:cSld>
   <p:clrMapOvr>
@@ -3167,10 +3238,10 @@
 <file path=ppt/tags/tag1.xml><?xml version="1.0" encoding="utf-8"?>
 <p:tagLst xmlns:p="http://schemas.openxmlformats.org/presentationml/2006/main">
   <p:tag name="AS_NET" val="4.0.30319.42000"/>
-  <p:tag name="AS_OS" val="Microsoft Windows NT 6.2.9200.0"/>
-  <p:tag name="AS_RELEASE_DATE" val="2019.06.14"/>
+  <p:tag name="AS_OS" val="Microsoft Windows NT 6.3.9600.0"/>
+  <p:tag name="AS_RELEASE_DATE" val="2021.12.14"/>
   <p:tag name="AS_TITLE" val="Aspose.Slides for .NET 4.0 Client Profile"/>
-  <p:tag name="AS_VERSION" val="19.6"/>
+  <p:tag name="AS_VERSION" val="21.12"/>
 </p:tagLst>
 </file>
 
